--- a/presentation/DSA_Project_31991.pptx
+++ b/presentation/DSA_Project_31991.pptx
@@ -19,11 +19,10 @@
     <p:sldId id="270" r:id="rId13"/>
     <p:sldId id="273" r:id="rId14"/>
     <p:sldId id="272" r:id="rId15"/>
-    <p:sldId id="274" r:id="rId16"/>
-    <p:sldId id="280" r:id="rId17"/>
-    <p:sldId id="275" r:id="rId18"/>
-    <p:sldId id="276" r:id="rId19"/>
-    <p:sldId id="277" r:id="rId20"/>
+    <p:sldId id="280" r:id="rId16"/>
+    <p:sldId id="275" r:id="rId17"/>
+    <p:sldId id="276" r:id="rId18"/>
+    <p:sldId id="277" r:id="rId19"/>
   </p:sldIdLst>
   <p:sldSz cx="12192000" cy="6858000"/>
   <p:notesSz cx="6858000" cy="9144000"/>
@@ -4967,257 +4966,6 @@
         <p:cNvPr id="1" name="">
           <a:extLst>
             <a:ext uri="{FF2B5EF4-FFF2-40B4-BE49-F238E27FC236}">
-              <a16:creationId xmlns:a16="http://schemas.microsoft.com/office/drawing/2014/main" id="{717DA1CC-0475-F36D-8ED7-10AB79E6E16F}"/>
-            </a:ext>
-          </a:extLst>
-        </p:cNvPr>
-        <p:cNvGrpSpPr/>
-        <p:nvPr/>
-      </p:nvGrpSpPr>
-      <p:grpSpPr>
-        <a:xfrm>
-          <a:off x="0" y="0"/>
-          <a:ext cx="0" cy="0"/>
-          <a:chOff x="0" y="0"/>
-          <a:chExt cx="0" cy="0"/>
-        </a:xfrm>
-      </p:grpSpPr>
-      <p:sp>
-        <p:nvSpPr>
-          <p:cNvPr id="2" name="Title 1">
-            <a:extLst>
-              <a:ext uri="{FF2B5EF4-FFF2-40B4-BE49-F238E27FC236}">
-                <a16:creationId xmlns:a16="http://schemas.microsoft.com/office/drawing/2014/main" id="{FBB30731-B377-260A-8799-60C3F93B2F58}"/>
-              </a:ext>
-            </a:extLst>
-          </p:cNvPr>
-          <p:cNvSpPr>
-            <a:spLocks noGrp="1"/>
-          </p:cNvSpPr>
-          <p:nvPr>
-            <p:ph type="title"/>
-          </p:nvPr>
-        </p:nvSpPr>
-        <p:spPr>
-          <a:xfrm>
-            <a:off x="838200" y="120989"/>
-            <a:ext cx="10515600" cy="1325563"/>
-          </a:xfrm>
-        </p:spPr>
-        <p:txBody>
-          <a:bodyPr/>
-          <a:lstStyle/>
-          <a:p>
-            <a:r>
-              <a:rPr lang="en-TR" dirty="0"/>
-              <a:t>Data Analysis: Conclusions</a:t>
-            </a:r>
-          </a:p>
-        </p:txBody>
-      </p:sp>
-      <p:sp>
-        <p:nvSpPr>
-          <p:cNvPr id="3" name="Content Placeholder 2">
-            <a:extLst>
-              <a:ext uri="{FF2B5EF4-FFF2-40B4-BE49-F238E27FC236}">
-                <a16:creationId xmlns:a16="http://schemas.microsoft.com/office/drawing/2014/main" id="{A7B0B2D5-D64A-13F2-B8A8-076A665689BB}"/>
-              </a:ext>
-            </a:extLst>
-          </p:cNvPr>
-          <p:cNvSpPr>
-            <a:spLocks noGrp="1"/>
-          </p:cNvSpPr>
-          <p:nvPr>
-            <p:ph idx="1"/>
-          </p:nvPr>
-        </p:nvSpPr>
-        <p:spPr>
-          <a:xfrm>
-            <a:off x="838200" y="1253331"/>
-            <a:ext cx="10515600" cy="4820898"/>
-          </a:xfrm>
-        </p:spPr>
-        <p:txBody>
-          <a:bodyPr>
-            <a:normAutofit/>
-          </a:bodyPr>
-          <a:lstStyle/>
-          <a:p>
-            <a:r>
-              <a:rPr lang="en-US" b="1" dirty="0">
-                <a:solidFill>
-                  <a:srgbClr val="0E0E0E"/>
-                </a:solidFill>
-                <a:latin typeface=".AppleSystemUIFont"/>
-              </a:rPr>
-              <a:t>What do these p-values say:</a:t>
-            </a:r>
-          </a:p>
-          <a:p>
-            <a:pPr lvl="1"/>
-            <a:r>
-              <a:rPr lang="en-US" dirty="0">
-                <a:solidFill>
-                  <a:srgbClr val="0E0E0E"/>
-                </a:solidFill>
-                <a:latin typeface=".AppleSystemUIFont"/>
-              </a:rPr>
-              <a:t>For Presidential Elections: </a:t>
-            </a:r>
-          </a:p>
-          <a:p>
-            <a:pPr lvl="2"/>
-            <a:r>
-              <a:rPr lang="en-US" dirty="0">
-                <a:solidFill>
-                  <a:srgbClr val="0E0E0E"/>
-                </a:solidFill>
-                <a:latin typeface=".AppleSystemUIFont"/>
-              </a:rPr>
-              <a:t>Observed p-value: </a:t>
-            </a:r>
-            <a:r>
-              <a:rPr lang="en-US" sz="2000" dirty="0"/>
-              <a:t>0.01136 &lt; 0.05, so I reject the null hypothesis. </a:t>
-            </a:r>
-          </a:p>
-          <a:p>
-            <a:pPr lvl="1"/>
-            <a:r>
-              <a:rPr lang="en-US" dirty="0">
-                <a:solidFill>
-                  <a:srgbClr val="0E0E0E"/>
-                </a:solidFill>
-                <a:latin typeface=".AppleSystemUIFont"/>
-              </a:rPr>
-              <a:t>For Municipal Elections:</a:t>
-            </a:r>
-          </a:p>
-          <a:p>
-            <a:pPr lvl="2"/>
-            <a:r>
-              <a:rPr lang="en-US" dirty="0">
-                <a:solidFill>
-                  <a:srgbClr val="0E0E0E"/>
-                </a:solidFill>
-                <a:latin typeface=".AppleSystemUIFont"/>
-              </a:rPr>
-              <a:t>Observed p-value: </a:t>
-            </a:r>
-            <a:r>
-              <a:rPr lang="en-US" sz="2000" dirty="0"/>
-              <a:t>0.03605 &lt; 0.05, so I reject the null hypothesis. </a:t>
-            </a:r>
-          </a:p>
-          <a:p>
-            <a:pPr lvl="1"/>
-            <a:r>
-              <a:rPr lang="en-US" dirty="0">
-                <a:solidFill>
-                  <a:srgbClr val="0E0E0E"/>
-                </a:solidFill>
-                <a:latin typeface=".AppleSystemUIFont"/>
-              </a:rPr>
-              <a:t>For February 6</a:t>
-            </a:r>
-            <a:r>
-              <a:rPr lang="en-US" baseline="30000" dirty="0">
-                <a:solidFill>
-                  <a:srgbClr val="0E0E0E"/>
-                </a:solidFill>
-                <a:latin typeface=".AppleSystemUIFont"/>
-              </a:rPr>
-              <a:t>th</a:t>
-            </a:r>
-            <a:r>
-              <a:rPr lang="en-US" dirty="0">
-                <a:solidFill>
-                  <a:srgbClr val="0E0E0E"/>
-                </a:solidFill>
-                <a:latin typeface=".AppleSystemUIFont"/>
-              </a:rPr>
-              <a:t> Earthquakes:</a:t>
-            </a:r>
-          </a:p>
-          <a:p>
-            <a:pPr lvl="2"/>
-            <a:r>
-              <a:rPr lang="en-US" dirty="0">
-                <a:solidFill>
-                  <a:srgbClr val="0E0E0E"/>
-                </a:solidFill>
-                <a:latin typeface=".AppleSystemUIFont"/>
-              </a:rPr>
-              <a:t>Observed p-value:</a:t>
-            </a:r>
-            <a:r>
-              <a:rPr lang="en-US" sz="2000" dirty="0"/>
-              <a:t> 0.00000 &lt; 0.05, so I reject the null hypothesis. </a:t>
-            </a:r>
-            <a:endParaRPr lang="en-US" dirty="0">
-              <a:solidFill>
-                <a:srgbClr val="0E0E0E"/>
-              </a:solidFill>
-              <a:latin typeface=".AppleSystemUIFont"/>
-            </a:endParaRPr>
-          </a:p>
-          <a:p>
-            <a:r>
-              <a:rPr lang="en-US" b="1" dirty="0">
-                <a:solidFill>
-                  <a:srgbClr val="0E0E0E"/>
-                </a:solidFill>
-                <a:latin typeface=".AppleSystemUIFont"/>
-              </a:rPr>
-              <a:t>Conclusion: </a:t>
-            </a:r>
-          </a:p>
-          <a:p>
-            <a:pPr lvl="1"/>
-            <a:r>
-              <a:rPr lang="en-US" dirty="0">
-                <a:solidFill>
-                  <a:srgbClr val="0E0E0E"/>
-                </a:solidFill>
-                <a:effectLst/>
-                <a:latin typeface=".AppleSystemUIFont"/>
-              </a:rPr>
-              <a:t>There is a positive correlation between socio-political events and my Twitter usage</a:t>
-            </a:r>
-            <a:r>
-              <a:rPr lang="en-US" sz="2200" dirty="0">
-                <a:solidFill>
-                  <a:srgbClr val="0E0E0E"/>
-                </a:solidFill>
-                <a:effectLst/>
-                <a:latin typeface=".AppleSystemUIFont"/>
-              </a:rPr>
-              <a:t>. </a:t>
-            </a:r>
-          </a:p>
-        </p:txBody>
-      </p:sp>
-    </p:spTree>
-    <p:extLst>
-      <p:ext uri="{BB962C8B-B14F-4D97-AF65-F5344CB8AC3E}">
-        <p14:creationId xmlns:p14="http://schemas.microsoft.com/office/powerpoint/2010/main" val="2344430845"/>
-      </p:ext>
-    </p:extLst>
-  </p:cSld>
-  <p:clrMapOvr>
-    <a:masterClrMapping/>
-  </p:clrMapOvr>
-</p:sld>
-</file>
-
-<file path=ppt/slides/slide16.xml><?xml version="1.0" encoding="utf-8"?>
-<p:sld xmlns:a="http://schemas.openxmlformats.org/drawingml/2006/main" xmlns:r="http://schemas.openxmlformats.org/officeDocument/2006/relationships" xmlns:p="http://schemas.openxmlformats.org/presentationml/2006/main">
-  <p:cSld>
-    <p:spTree>
-      <p:nvGrpSpPr>
-        <p:cNvPr id="1" name="">
-          <a:extLst>
-            <a:ext uri="{FF2B5EF4-FFF2-40B4-BE49-F238E27FC236}">
               <a16:creationId xmlns:a16="http://schemas.microsoft.com/office/drawing/2014/main" id="{F283507F-8938-FE68-6F1E-990FE3090314}"/>
             </a:ext>
           </a:extLst>
@@ -5676,7 +5424,7 @@
 </p:sld>
 </file>
 
-<file path=ppt/slides/slide17.xml><?xml version="1.0" encoding="utf-8"?>
+<file path=ppt/slides/slide16.xml><?xml version="1.0" encoding="utf-8"?>
 <p:sld xmlns:a="http://schemas.openxmlformats.org/drawingml/2006/main" xmlns:r="http://schemas.openxmlformats.org/officeDocument/2006/relationships" xmlns:p="http://schemas.openxmlformats.org/presentationml/2006/main">
   <p:cSld>
     <p:spTree>
@@ -5822,7 +5570,7 @@
 </p:sld>
 </file>
 
-<file path=ppt/slides/slide18.xml><?xml version="1.0" encoding="utf-8"?>
+<file path=ppt/slides/slide17.xml><?xml version="1.0" encoding="utf-8"?>
 <p:sld xmlns:a="http://schemas.openxmlformats.org/drawingml/2006/main" xmlns:r="http://schemas.openxmlformats.org/officeDocument/2006/relationships" xmlns:p="http://schemas.openxmlformats.org/presentationml/2006/main">
   <p:cSld>
     <p:spTree>
@@ -5968,7 +5716,7 @@
 </p:sld>
 </file>
 
-<file path=ppt/slides/slide19.xml><?xml version="1.0" encoding="utf-8"?>
+<file path=ppt/slides/slide18.xml><?xml version="1.0" encoding="utf-8"?>
 <p:sld xmlns:a="http://schemas.openxmlformats.org/drawingml/2006/main" xmlns:r="http://schemas.openxmlformats.org/officeDocument/2006/relationships" xmlns:p="http://schemas.openxmlformats.org/presentationml/2006/main">
   <p:cSld>
     <p:spTree>
